--- a/greg/docs/individual_regressions.pptx
+++ b/greg/docs/individual_regressions.pptx
@@ -6,13 +6,13 @@
   </p:sldMasterIdLst>
   <p:sldIdLst>
     <p:sldId id="265" r:id="rId2"/>
-    <p:sldId id="259" r:id="rId3"/>
-    <p:sldId id="260" r:id="rId4"/>
-    <p:sldId id="266" r:id="rId5"/>
-    <p:sldId id="256" r:id="rId6"/>
-    <p:sldId id="263" r:id="rId7"/>
-    <p:sldId id="264" r:id="rId8"/>
-    <p:sldId id="267" r:id="rId9"/>
+    <p:sldId id="270" r:id="rId3"/>
+    <p:sldId id="259" r:id="rId4"/>
+    <p:sldId id="260" r:id="rId5"/>
+    <p:sldId id="266" r:id="rId6"/>
+    <p:sldId id="256" r:id="rId7"/>
+    <p:sldId id="263" r:id="rId8"/>
+    <p:sldId id="264" r:id="rId9"/>
     <p:sldId id="268" r:id="rId10"/>
     <p:sldId id="269" r:id="rId11"/>
     <p:sldId id="262" r:id="rId12"/>
@@ -298,7 +298,7 @@
           <a:p>
             <a:fld id="{49B452E0-6895-4582-877A-7C9C26466FAE}" type="datetimeFigureOut">
               <a:rPr lang="en-US" smtClean="0"/>
-              <a:t>4/2/2018</a:t>
+              <a:t>4/17/2018</a:t>
             </a:fld>
             <a:endParaRPr lang="en-US"/>
           </a:p>
@@ -468,7 +468,7 @@
           <a:p>
             <a:fld id="{49B452E0-6895-4582-877A-7C9C26466FAE}" type="datetimeFigureOut">
               <a:rPr lang="en-US" smtClean="0"/>
-              <a:t>4/2/2018</a:t>
+              <a:t>4/17/2018</a:t>
             </a:fld>
             <a:endParaRPr lang="en-US"/>
           </a:p>
@@ -648,7 +648,7 @@
           <a:p>
             <a:fld id="{49B452E0-6895-4582-877A-7C9C26466FAE}" type="datetimeFigureOut">
               <a:rPr lang="en-US" smtClean="0"/>
-              <a:t>4/2/2018</a:t>
+              <a:t>4/17/2018</a:t>
             </a:fld>
             <a:endParaRPr lang="en-US"/>
           </a:p>
@@ -818,7 +818,7 @@
           <a:p>
             <a:fld id="{49B452E0-6895-4582-877A-7C9C26466FAE}" type="datetimeFigureOut">
               <a:rPr lang="en-US" smtClean="0"/>
-              <a:t>4/2/2018</a:t>
+              <a:t>4/17/2018</a:t>
             </a:fld>
             <a:endParaRPr lang="en-US"/>
           </a:p>
@@ -1064,7 +1064,7 @@
           <a:p>
             <a:fld id="{49B452E0-6895-4582-877A-7C9C26466FAE}" type="datetimeFigureOut">
               <a:rPr lang="en-US" smtClean="0"/>
-              <a:t>4/2/2018</a:t>
+              <a:t>4/17/2018</a:t>
             </a:fld>
             <a:endParaRPr lang="en-US"/>
           </a:p>
@@ -1352,7 +1352,7 @@
           <a:p>
             <a:fld id="{49B452E0-6895-4582-877A-7C9C26466FAE}" type="datetimeFigureOut">
               <a:rPr lang="en-US" smtClean="0"/>
-              <a:t>4/2/2018</a:t>
+              <a:t>4/17/2018</a:t>
             </a:fld>
             <a:endParaRPr lang="en-US"/>
           </a:p>
@@ -1774,7 +1774,7 @@
           <a:p>
             <a:fld id="{49B452E0-6895-4582-877A-7C9C26466FAE}" type="datetimeFigureOut">
               <a:rPr lang="en-US" smtClean="0"/>
-              <a:t>4/2/2018</a:t>
+              <a:t>4/17/2018</a:t>
             </a:fld>
             <a:endParaRPr lang="en-US"/>
           </a:p>
@@ -1892,7 +1892,7 @@
           <a:p>
             <a:fld id="{49B452E0-6895-4582-877A-7C9C26466FAE}" type="datetimeFigureOut">
               <a:rPr lang="en-US" smtClean="0"/>
-              <a:t>4/2/2018</a:t>
+              <a:t>4/17/2018</a:t>
             </a:fld>
             <a:endParaRPr lang="en-US"/>
           </a:p>
@@ -1987,7 +1987,7 @@
           <a:p>
             <a:fld id="{49B452E0-6895-4582-877A-7C9C26466FAE}" type="datetimeFigureOut">
               <a:rPr lang="en-US" smtClean="0"/>
-              <a:t>4/2/2018</a:t>
+              <a:t>4/17/2018</a:t>
             </a:fld>
             <a:endParaRPr lang="en-US"/>
           </a:p>
@@ -2264,7 +2264,7 @@
           <a:p>
             <a:fld id="{49B452E0-6895-4582-877A-7C9C26466FAE}" type="datetimeFigureOut">
               <a:rPr lang="en-US" smtClean="0"/>
-              <a:t>4/2/2018</a:t>
+              <a:t>4/17/2018</a:t>
             </a:fld>
             <a:endParaRPr lang="en-US"/>
           </a:p>
@@ -2517,7 +2517,7 @@
           <a:p>
             <a:fld id="{49B452E0-6895-4582-877A-7C9C26466FAE}" type="datetimeFigureOut">
               <a:rPr lang="en-US" smtClean="0"/>
-              <a:t>4/2/2018</a:t>
+              <a:t>4/17/2018</a:t>
             </a:fld>
             <a:endParaRPr lang="en-US"/>
           </a:p>
@@ -2730,7 +2730,7 @@
           <a:p>
             <a:fld id="{49B452E0-6895-4582-877A-7C9C26466FAE}" type="datetimeFigureOut">
               <a:rPr lang="en-US" smtClean="0"/>
-              <a:t>4/2/2018</a:t>
+              <a:t>4/17/2018</a:t>
             </a:fld>
             <a:endParaRPr lang="en-US"/>
           </a:p>
@@ -3122,42 +3122,156 @@
           </a:xfrm>
         </p:spPr>
         <p:txBody>
-          <a:bodyPr/>
+          <a:bodyPr>
+            <a:normAutofit/>
+          </a:bodyPr>
           <a:lstStyle/>
           <a:p>
             <a:pPr marL="0" indent="0">
               <a:buNone/>
             </a:pPr>
             <a:r>
-              <a:rPr lang="en-US" dirty="0" smtClean="0"/>
-              <a:t>The simpler ‘meta-analysis’ approach </a:t>
-            </a:r>
-          </a:p>
-          <a:p>
-            <a:r>
               <a:rPr lang="en-US" sz="2800" dirty="0" smtClean="0"/>
-              <a:t>Fit individual regressions and looks at the distribution of slopes and intercepts</a:t>
+              <a:t>Status</a:t>
+            </a:r>
+            <a:endParaRPr lang="en-US" sz="2800" dirty="0" smtClean="0"/>
+          </a:p>
+          <a:p>
+            <a:r>
+              <a:rPr lang="en-US" sz="2400" dirty="0" smtClean="0"/>
+              <a:t>Have a general .</a:t>
+            </a:r>
+            <a:r>
+              <a:rPr lang="en-US" sz="2400" dirty="0" err="1" smtClean="0"/>
+              <a:t>stan</a:t>
+            </a:r>
+            <a:r>
+              <a:rPr lang="en-US" sz="2400" dirty="0"/>
+              <a:t> </a:t>
+            </a:r>
+            <a:r>
+              <a:rPr lang="en-US" sz="2400" dirty="0" smtClean="0"/>
+              <a:t>code that will accommodate simple/multiple regression for J0 and b as a function of input variables</a:t>
+            </a:r>
+            <a:endParaRPr lang="en-US" sz="2400" dirty="0" smtClean="0"/>
+          </a:p>
+          <a:p>
+            <a:r>
+              <a:rPr lang="en-US" sz="2400" dirty="0" smtClean="0"/>
+              <a:t>Have done some trimming and expanding the dataset</a:t>
             </a:r>
           </a:p>
           <a:p>
             <a:pPr lvl="1"/>
             <a:r>
+              <a:rPr lang="en-US" sz="2000" dirty="0" smtClean="0"/>
+              <a:t>Decided we should focus on a Location x Month x Year ID (</a:t>
+            </a:r>
+            <a:r>
+              <a:rPr lang="en-US" sz="2000" dirty="0" smtClean="0"/>
+              <a:t>too much cross-profile variability)</a:t>
+            </a:r>
+          </a:p>
+          <a:p>
+            <a:pPr lvl="1"/>
+            <a:r>
+              <a:rPr lang="en-US" sz="2000" dirty="0" smtClean="0"/>
+              <a:t>Added climatological surface nutrient, subsurface temperature and oxygen, cell size</a:t>
+            </a:r>
+            <a:endParaRPr lang="en-US" sz="2000" dirty="0" smtClean="0"/>
+          </a:p>
+          <a:p>
+            <a:pPr marL="0" indent="0">
+              <a:buNone/>
+            </a:pPr>
+            <a:r>
+              <a:rPr lang="en-US" sz="2800" dirty="0" smtClean="0"/>
+              <a:t>Plan</a:t>
+            </a:r>
+          </a:p>
+          <a:p>
+            <a:r>
               <a:rPr lang="en-US" sz="2400" dirty="0" smtClean="0"/>
-              <a:t>Are they normally distributed? (as assumed in hierarchical analysis)</a:t>
-            </a:r>
-          </a:p>
-          <a:p>
-            <a:r>
-              <a:rPr lang="en-US" sz="2800" dirty="0" smtClean="0"/>
-              <a:t>Look at statistical relationships with covariates</a:t>
-            </a:r>
-          </a:p>
-          <a:p>
-            <a:r>
-              <a:rPr lang="en-US" sz="2800" dirty="0" smtClean="0"/>
-              <a:t>This is very fast and will point in what directions to go with the hierarchical model</a:t>
-            </a:r>
-            <a:endParaRPr lang="en-US" sz="2800" dirty="0"/>
+              <a:t>Everyone choose a variable, or two:</a:t>
+            </a:r>
+          </a:p>
+          <a:p>
+            <a:pPr lvl="1"/>
+            <a:r>
+              <a:rPr lang="en-US" sz="2000" dirty="0" smtClean="0"/>
+              <a:t>Net primary productivity (&lt;name&gt;), sea surface temperature </a:t>
+            </a:r>
+            <a:r>
+              <a:rPr lang="en-US" sz="2000" dirty="0"/>
+              <a:t>(&lt;name</a:t>
+            </a:r>
+            <a:r>
+              <a:rPr lang="en-US" sz="2000" dirty="0" smtClean="0"/>
+              <a:t>&gt;), surface nutrient concentration </a:t>
+            </a:r>
+            <a:r>
+              <a:rPr lang="en-US" sz="2000" dirty="0"/>
+              <a:t>(&lt;name</a:t>
+            </a:r>
+            <a:r>
+              <a:rPr lang="en-US" sz="2000" dirty="0" smtClean="0"/>
+              <a:t>&gt;), mineral ballast </a:t>
+            </a:r>
+            <a:r>
+              <a:rPr lang="en-US" sz="2000" dirty="0"/>
+              <a:t>(&lt;name</a:t>
+            </a:r>
+            <a:r>
+              <a:rPr lang="en-US" sz="2000" dirty="0" smtClean="0"/>
+              <a:t>&gt;), phytoplankton cell size </a:t>
+            </a:r>
+            <a:r>
+              <a:rPr lang="en-US" sz="2000" dirty="0"/>
+              <a:t>(&lt;name</a:t>
+            </a:r>
+            <a:r>
+              <a:rPr lang="en-US" sz="2000" dirty="0" smtClean="0"/>
+              <a:t>&gt;), subsurface temperature (&lt;name&gt;), subsurface oxygen (&lt;name&gt;)</a:t>
+            </a:r>
+          </a:p>
+          <a:p>
+            <a:pPr lvl="1"/>
+            <a:r>
+              <a:rPr lang="en-US" sz="2000" dirty="0" smtClean="0"/>
+              <a:t>Fit the global model and fit to regional subsets of the data</a:t>
+            </a:r>
+          </a:p>
+          <a:p>
+            <a:pPr lvl="1"/>
+            <a:r>
+              <a:rPr lang="en-US" sz="2000" dirty="0" smtClean="0"/>
+              <a:t>Show results in two weeks</a:t>
+            </a:r>
+          </a:p>
+          <a:p>
+            <a:endParaRPr lang="en-US" sz="2400" dirty="0"/>
+          </a:p>
+          <a:p>
+            <a:pPr marL="0" indent="0">
+              <a:buNone/>
+            </a:pPr>
+            <a:r>
+              <a:rPr lang="en-US" sz="2400" dirty="0" smtClean="0"/>
+              <a:t>I’ve started a Word manuscript in the </a:t>
+            </a:r>
+            <a:r>
+              <a:rPr lang="en-US" sz="2400" dirty="0" err="1" smtClean="0"/>
+              <a:t>GitHub</a:t>
+            </a:r>
+            <a:r>
+              <a:rPr lang="en-US" sz="2400" smtClean="0"/>
+              <a:t> repo</a:t>
+            </a:r>
+            <a:endParaRPr lang="en-US" sz="2400" dirty="0" smtClean="0"/>
+          </a:p>
+          <a:p>
+            <a:pPr lvl="1"/>
+            <a:endParaRPr lang="en-US" sz="2000" dirty="0"/>
           </a:p>
         </p:txBody>
       </p:sp>
@@ -3346,6 +3460,67 @@
 </file>
 
 <file path=ppt/slides/slide2.xml><?xml version="1.0" encoding="utf-8"?>
+<p:sld xmlns:a="http://schemas.openxmlformats.org/drawingml/2006/main" xmlns:r="http://schemas.openxmlformats.org/officeDocument/2006/relationships" xmlns:p="http://schemas.openxmlformats.org/presentationml/2006/main">
+  <p:cSld>
+    <p:spTree>
+      <p:nvGrpSpPr>
+        <p:cNvPr id="1" name=""/>
+        <p:cNvGrpSpPr/>
+        <p:nvPr/>
+      </p:nvGrpSpPr>
+      <p:grpSpPr>
+        <a:xfrm>
+          <a:off x="0" y="0"/>
+          <a:ext cx="0" cy="0"/>
+          <a:chOff x="0" y="0"/>
+          <a:chExt cx="0" cy="0"/>
+        </a:xfrm>
+      </p:grpSpPr>
+      <p:sp>
+        <p:nvSpPr>
+          <p:cNvPr id="3" name="Content Placeholder 2"/>
+          <p:cNvSpPr>
+            <a:spLocks noGrp="1"/>
+          </p:cNvSpPr>
+          <p:nvPr>
+            <p:ph idx="1"/>
+          </p:nvPr>
+        </p:nvSpPr>
+        <p:spPr>
+          <a:xfrm>
+            <a:off x="0" y="0"/>
+            <a:ext cx="9144000" cy="6858000"/>
+          </a:xfrm>
+        </p:spPr>
+        <p:txBody>
+          <a:bodyPr/>
+          <a:lstStyle/>
+          <a:p>
+            <a:pPr marL="0" indent="0">
+              <a:buNone/>
+            </a:pPr>
+            <a:r>
+              <a:rPr lang="en-US" dirty="0" smtClean="0"/>
+              <a:t>Tips for analysis</a:t>
+            </a:r>
+            <a:endParaRPr lang="en-US" dirty="0"/>
+          </a:p>
+        </p:txBody>
+      </p:sp>
+    </p:spTree>
+    <p:extLst>
+      <p:ext uri="{BB962C8B-B14F-4D97-AF65-F5344CB8AC3E}">
+        <p14:creationId xmlns:p14="http://schemas.microsoft.com/office/powerpoint/2010/main" val="3429324442"/>
+      </p:ext>
+    </p:extLst>
+  </p:cSld>
+  <p:clrMapOvr>
+    <a:masterClrMapping/>
+  </p:clrMapOvr>
+</p:sld>
+</file>
+
+<file path=ppt/slides/slide3.xml><?xml version="1.0" encoding="utf-8"?>
 <p:sld xmlns:a="http://schemas.openxmlformats.org/drawingml/2006/main" xmlns:r="http://schemas.openxmlformats.org/officeDocument/2006/relationships" xmlns:p="http://schemas.openxmlformats.org/presentationml/2006/main">
   <p:cSld>
     <p:spTree>
@@ -3745,7 +3920,7 @@
 </p:sld>
 </file>
 
-<file path=ppt/slides/slide3.xml><?xml version="1.0" encoding="utf-8"?>
+<file path=ppt/slides/slide4.xml><?xml version="1.0" encoding="utf-8"?>
 <p:sld xmlns:a="http://schemas.openxmlformats.org/drawingml/2006/main" xmlns:r="http://schemas.openxmlformats.org/officeDocument/2006/relationships" xmlns:p="http://schemas.openxmlformats.org/presentationml/2006/main">
   <p:cSld>
     <p:spTree>
@@ -4145,7 +4320,7 @@
 </p:sld>
 </file>
 
-<file path=ppt/slides/slide4.xml><?xml version="1.0" encoding="utf-8"?>
+<file path=ppt/slides/slide5.xml><?xml version="1.0" encoding="utf-8"?>
 <p:sld xmlns:a="http://schemas.openxmlformats.org/drawingml/2006/main" xmlns:r="http://schemas.openxmlformats.org/officeDocument/2006/relationships" xmlns:p="http://schemas.openxmlformats.org/presentationml/2006/main">
   <p:cSld>
     <p:spTree>
@@ -4545,7 +4720,7 @@
 </p:sld>
 </file>
 
-<file path=ppt/slides/slide5.xml><?xml version="1.0" encoding="utf-8"?>
+<file path=ppt/slides/slide6.xml><?xml version="1.0" encoding="utf-8"?>
 <p:sld xmlns:a="http://schemas.openxmlformats.org/drawingml/2006/main" xmlns:r="http://schemas.openxmlformats.org/officeDocument/2006/relationships" xmlns:p="http://schemas.openxmlformats.org/presentationml/2006/main">
   <p:cSld>
     <p:spTree>
@@ -4585,8 +4760,8 @@
         </p:blipFill>
         <p:spPr bwMode="auto">
           <a:xfrm>
-            <a:off x="73086" y="45952"/>
-            <a:ext cx="4270314" cy="3636215"/>
+            <a:off x="297446" y="36287"/>
+            <a:ext cx="4116452" cy="3505200"/>
           </a:xfrm>
           <a:prstGeom prst="rect">
             <a:avLst/>
@@ -4650,7 +4825,7 @@
         <p:spPr bwMode="auto">
           <a:xfrm>
             <a:off x="4492686" y="0"/>
-            <a:ext cx="4498914" cy="3841728"/>
+            <a:ext cx="4104819" cy="3505201"/>
           </a:xfrm>
           <a:prstGeom prst="rect">
             <a:avLst/>
@@ -4713,8 +4888,8 @@
         </p:blipFill>
         <p:spPr bwMode="auto">
           <a:xfrm>
-            <a:off x="386969" y="3219450"/>
-            <a:ext cx="4070731" cy="3606800"/>
+            <a:off x="451403" y="3476172"/>
+            <a:ext cx="3815797" cy="3380920"/>
           </a:xfrm>
           <a:prstGeom prst="rect">
             <a:avLst/>
@@ -4767,7 +4942,7 @@
 </p:sld>
 </file>
 
-<file path=ppt/slides/slide6.xml><?xml version="1.0" encoding="utf-8"?>
+<file path=ppt/slides/slide7.xml><?xml version="1.0" encoding="utf-8"?>
 <p:sld xmlns:a="http://schemas.openxmlformats.org/drawingml/2006/main" xmlns:r="http://schemas.openxmlformats.org/officeDocument/2006/relationships" xmlns:p="http://schemas.openxmlformats.org/presentationml/2006/main">
   <p:cSld>
     <p:spTree>
@@ -4938,7 +5113,7 @@
 </p:sld>
 </file>
 
-<file path=ppt/slides/slide7.xml><?xml version="1.0" encoding="utf-8"?>
+<file path=ppt/slides/slide8.xml><?xml version="1.0" encoding="utf-8"?>
 <p:sld xmlns:a="http://schemas.openxmlformats.org/drawingml/2006/main" xmlns:r="http://schemas.openxmlformats.org/officeDocument/2006/relationships" xmlns:p="http://schemas.openxmlformats.org/presentationml/2006/main">
   <p:cSld>
     <p:spTree>
@@ -5085,162 +5260,6 @@
     <p:extLst>
       <p:ext uri="{BB962C8B-B14F-4D97-AF65-F5344CB8AC3E}">
         <p14:creationId xmlns:p14="http://schemas.microsoft.com/office/powerpoint/2010/main" val="1298299070"/>
-      </p:ext>
-    </p:extLst>
-  </p:cSld>
-  <p:clrMapOvr>
-    <a:masterClrMapping/>
-  </p:clrMapOvr>
-</p:sld>
-</file>
-
-<file path=ppt/slides/slide8.xml><?xml version="1.0" encoding="utf-8"?>
-<p:sld xmlns:a="http://schemas.openxmlformats.org/drawingml/2006/main" xmlns:r="http://schemas.openxmlformats.org/officeDocument/2006/relationships" xmlns:p="http://schemas.openxmlformats.org/presentationml/2006/main">
-  <p:cSld>
-    <p:spTree>
-      <p:nvGrpSpPr>
-        <p:cNvPr id="1" name=""/>
-        <p:cNvGrpSpPr/>
-        <p:nvPr/>
-      </p:nvGrpSpPr>
-      <p:grpSpPr>
-        <a:xfrm>
-          <a:off x="0" y="0"/>
-          <a:ext cx="0" cy="0"/>
-          <a:chOff x="0" y="0"/>
-          <a:chExt cx="0" cy="0"/>
-        </a:xfrm>
-      </p:grpSpPr>
-      <p:pic>
-        <p:nvPicPr>
-          <p:cNvPr id="9218" name="Picture 2"/>
-          <p:cNvPicPr>
-            <a:picLocks noChangeAspect="1" noChangeArrowheads="1"/>
-          </p:cNvPicPr>
-          <p:nvPr/>
-        </p:nvPicPr>
-        <p:blipFill>
-          <a:blip r:embed="rId2">
-            <a:extLst>
-              <a:ext uri="{28A0092B-C50C-407E-A947-70E740481C1C}">
-                <a14:useLocalDpi xmlns:a14="http://schemas.microsoft.com/office/drawing/2010/main" val="0"/>
-              </a:ext>
-            </a:extLst>
-          </a:blip>
-          <a:srcRect/>
-          <a:stretch>
-            <a:fillRect/>
-          </a:stretch>
-        </p:blipFill>
-        <p:spPr bwMode="auto">
-          <a:xfrm>
-            <a:off x="1172029" y="71738"/>
-            <a:ext cx="6781800" cy="6786262"/>
-          </a:xfrm>
-          <a:prstGeom prst="rect">
-            <a:avLst/>
-          </a:prstGeom>
-          <a:noFill/>
-          <a:ln>
-            <a:noFill/>
-          </a:ln>
-          <a:effectLst/>
-          <a:extLst>
-            <a:ext uri="{909E8E84-426E-40DD-AFC4-6F175D3DCCD1}">
-              <a14:hiddenFill xmlns:a14="http://schemas.microsoft.com/office/drawing/2010/main">
-                <a:solidFill>
-                  <a:schemeClr val="accent1"/>
-                </a:solidFill>
-              </a14:hiddenFill>
-            </a:ext>
-            <a:ext uri="{91240B29-F687-4F45-9708-019B960494DF}">
-              <a14:hiddenLine xmlns:a14="http://schemas.microsoft.com/office/drawing/2010/main" w="9525">
-                <a:solidFill>
-                  <a:schemeClr val="tx1"/>
-                </a:solidFill>
-                <a:miter lim="800000"/>
-                <a:headEnd/>
-                <a:tailEnd/>
-              </a14:hiddenLine>
-            </a:ext>
-            <a:ext uri="{AF507438-7753-43E0-B8FC-AC1667EBCBE1}">
-              <a14:hiddenEffects xmlns:a14="http://schemas.microsoft.com/office/drawing/2010/main">
-                <a:effectLst>
-                  <a:outerShdw dist="35921" dir="2700000" algn="ctr" rotWithShape="0">
-                    <a:schemeClr val="bg2"/>
-                  </a:outerShdw>
-                </a:effectLst>
-              </a14:hiddenEffects>
-            </a:ext>
-          </a:extLst>
-        </p:spPr>
-      </p:pic>
-      <p:pic>
-        <p:nvPicPr>
-          <p:cNvPr id="5" name="Picture 2"/>
-          <p:cNvPicPr>
-            <a:picLocks noChangeAspect="1" noChangeArrowheads="1"/>
-          </p:cNvPicPr>
-          <p:nvPr/>
-        </p:nvPicPr>
-        <p:blipFill rotWithShape="1">
-          <a:blip r:embed="rId3">
-            <a:extLst>
-              <a:ext uri="{28A0092B-C50C-407E-A947-70E740481C1C}">
-                <a14:useLocalDpi xmlns:a14="http://schemas.microsoft.com/office/drawing/2010/main" val="0"/>
-              </a:ext>
-            </a:extLst>
-          </a:blip>
-          <a:srcRect l="32280" t="1431" r="28480" b="93130"/>
-          <a:stretch/>
-        </p:blipFill>
-        <p:spPr bwMode="auto">
-          <a:xfrm>
-            <a:off x="2975429" y="367297"/>
-            <a:ext cx="2895600" cy="355603"/>
-          </a:xfrm>
-          <a:prstGeom prst="rect">
-            <a:avLst/>
-          </a:prstGeom>
-          <a:noFill/>
-          <a:ln>
-            <a:noFill/>
-          </a:ln>
-          <a:effectLst/>
-          <a:extLst>
-            <a:ext uri="{909E8E84-426E-40DD-AFC4-6F175D3DCCD1}">
-              <a14:hiddenFill xmlns:a14="http://schemas.microsoft.com/office/drawing/2010/main">
-                <a:solidFill>
-                  <a:schemeClr val="accent1"/>
-                </a:solidFill>
-              </a14:hiddenFill>
-            </a:ext>
-            <a:ext uri="{91240B29-F687-4F45-9708-019B960494DF}">
-              <a14:hiddenLine xmlns:a14="http://schemas.microsoft.com/office/drawing/2010/main" w="9525">
-                <a:solidFill>
-                  <a:schemeClr val="tx1"/>
-                </a:solidFill>
-                <a:miter lim="800000"/>
-                <a:headEnd/>
-                <a:tailEnd/>
-              </a14:hiddenLine>
-            </a:ext>
-            <a:ext uri="{AF507438-7753-43E0-B8FC-AC1667EBCBE1}">
-              <a14:hiddenEffects xmlns:a14="http://schemas.microsoft.com/office/drawing/2010/main">
-                <a:effectLst>
-                  <a:outerShdw dist="35921" dir="2700000" algn="ctr" rotWithShape="0">
-                    <a:schemeClr val="bg2"/>
-                  </a:outerShdw>
-                </a:effectLst>
-              </a14:hiddenEffects>
-            </a:ext>
-          </a:extLst>
-        </p:spPr>
-      </p:pic>
-    </p:spTree>
-    <p:extLst>
-      <p:ext uri="{BB962C8B-B14F-4D97-AF65-F5344CB8AC3E}">
-        <p14:creationId xmlns:p14="http://schemas.microsoft.com/office/powerpoint/2010/main" val="2338168997"/>
       </p:ext>
     </p:extLst>
   </p:cSld>
